--- a/coursework_waves.pptx
+++ b/coursework_waves.pptx
@@ -5,10 +5,10 @@
     <p:sldMasterId id="2147483696" r:id="rId1"/>
   </p:sldMasterIdLst>
   <p:notesMasterIdLst>
-    <p:notesMasterId r:id="rId12"/>
+    <p:notesMasterId r:id="rId16"/>
   </p:notesMasterIdLst>
   <p:handoutMasterIdLst>
-    <p:handoutMasterId r:id="rId13"/>
+    <p:handoutMasterId r:id="rId17"/>
   </p:handoutMasterIdLst>
   <p:sldIdLst>
     <p:sldId id="256" r:id="rId2"/>
@@ -20,7 +20,11 @@
     <p:sldId id="632" r:id="rId8"/>
     <p:sldId id="628" r:id="rId9"/>
     <p:sldId id="633" r:id="rId10"/>
-    <p:sldId id="629" r:id="rId11"/>
+    <p:sldId id="634" r:id="rId11"/>
+    <p:sldId id="635" r:id="rId12"/>
+    <p:sldId id="636" r:id="rId13"/>
+    <p:sldId id="637" r:id="rId14"/>
+    <p:sldId id="629" r:id="rId15"/>
   </p:sldIdLst>
   <p:sldSz cx="12192000" cy="6858000"/>
   <p:notesSz cx="6858000" cy="9144000"/>
@@ -241,7 +245,7 @@
             <a:fld id="{169B75BE-753D-4B03-B707-A65B895ADEF0}" type="datetimeFigureOut">
               <a:rPr lang="ru-RU" smtClean="0"/>
               <a:pPr/>
-              <a:t>12.05.2023</a:t>
+              <a:t>18.05.2023</a:t>
             </a:fld>
             <a:endParaRPr lang="ru-RU"/>
           </a:p>
@@ -404,7 +408,7 @@
             <a:fld id="{EDE6D191-139F-4B22-AE70-059F1B63F61C}" type="datetimeFigureOut">
               <a:rPr lang="ru-RU" smtClean="0"/>
               <a:pPr/>
-              <a:t>12.05.2023</a:t>
+              <a:t>18.05.2023</a:t>
             </a:fld>
             <a:endParaRPr lang="ru-RU"/>
           </a:p>
@@ -1098,7 +1102,7 @@
             <a:pPr algn="ctr"/>
             <a:fld id="{FB467A7F-5949-4854-B8C8-B15213D77398}" type="datetime4">
               <a:rPr lang="ru-RU" smtClean="0"/>
-              <a:t>12 мая 2023 г.</a:t>
+              <a:t>18 мая 2023 г.</a:t>
             </a:fld>
             <a:endParaRPr lang="ru-RU" dirty="0"/>
           </a:p>
@@ -3058,7 +3062,7 @@
           <a:p>
             <a:fld id="{F2B7EB73-7176-4271-9714-0B25053C4BA8}" type="datetime4">
               <a:rPr lang="ru-RU" smtClean="0"/>
-              <a:t>12 мая 2023 г.</a:t>
+              <a:t>18 мая 2023 г.</a:t>
             </a:fld>
             <a:endParaRPr lang="ru-RU"/>
           </a:p>
@@ -3206,7 +3210,7 @@
           <a:p>
             <a:fld id="{E11097F8-8D08-4B7D-8715-7976DCD155FE}" type="datetime4">
               <a:rPr lang="ru-RU" smtClean="0"/>
-              <a:t>12 мая 2023 г.</a:t>
+              <a:t>18 мая 2023 г.</a:t>
             </a:fld>
             <a:endParaRPr lang="ru-RU"/>
           </a:p>
@@ -7640,16 +7644,13 @@
           <a:p>
             <a:r>
               <a:rPr lang="ru-RU" dirty="0"/>
-              <a:t>Научный руководитель</a:t>
+              <a:t>Научный руководитель: Ямилева А. М</a:t>
             </a:r>
             <a:r>
               <a:rPr lang="ru-RU"/>
-              <a:t>: Ямилева А. М., </a:t>
-            </a:r>
-            <a:r>
-              <a:rPr lang="ru-RU" dirty="0"/>
-              <a:t>к.ф.-м.н., доцент</a:t>
-            </a:r>
+              <a:t>., доцент</a:t>
+            </a:r>
+            <a:endParaRPr lang="ru-RU" dirty="0"/>
           </a:p>
           <a:p>
             <a:endParaRPr lang="ru-RU" dirty="0"/>
@@ -7688,7 +7689,7 @@
             <a:pPr algn="ctr"/>
             <a:fld id="{83E8057E-7318-41D0-B0C5-381EF015AB51}" type="datetime4">
               <a:rPr lang="ru-RU" smtClean="0"/>
-              <a:t>12 мая 2023 г.</a:t>
+              <a:t>18 мая 2023 г.</a:t>
             </a:fld>
             <a:endParaRPr lang="ru-RU" dirty="0"/>
           </a:p>
@@ -7791,6 +7792,941 @@
       </p:grpSpPr>
       <p:sp>
         <p:nvSpPr>
+          <p:cNvPr id="3" name="Нижний колонтитул 2"/>
+          <p:cNvSpPr>
+            <a:spLocks noGrp="1"/>
+          </p:cNvSpPr>
+          <p:nvPr>
+            <p:ph type="ftr" sz="quarter" idx="11"/>
+          </p:nvPr>
+        </p:nvSpPr>
+        <p:spPr/>
+        <p:txBody>
+          <a:bodyPr/>
+          <a:lstStyle/>
+          <a:p>
+            <a:pPr algn="ctr"/>
+            <a:r>
+              <a:rPr lang="ru-RU" sz="1000" dirty="0">
+                <a:latin typeface="BwSurco-Bold" pitchFamily="50" charset="-52"/>
+              </a:rPr>
+              <a:t>Двухслойная акустическая схема для задачи распространения волн</a:t>
+            </a:r>
+          </a:p>
+        </p:txBody>
+      </p:sp>
+      <p:sp>
+        <p:nvSpPr>
+          <p:cNvPr id="10" name="Текст 9"/>
+          <p:cNvSpPr>
+            <a:spLocks noGrp="1"/>
+          </p:cNvSpPr>
+          <p:nvPr>
+            <p:ph type="body" sz="quarter" idx="12"/>
+          </p:nvPr>
+        </p:nvSpPr>
+        <p:spPr/>
+        <p:txBody>
+          <a:bodyPr/>
+          <a:lstStyle/>
+          <a:p>
+            <a:endParaRPr lang="ru-RU"/>
+          </a:p>
+        </p:txBody>
+      </p:sp>
+      <p:sp>
+        <p:nvSpPr>
+          <p:cNvPr id="6" name="Номер слайда 5"/>
+          <p:cNvSpPr>
+            <a:spLocks noGrp="1"/>
+          </p:cNvSpPr>
+          <p:nvPr>
+            <p:ph type="sldNum" sz="quarter" idx="13"/>
+          </p:nvPr>
+        </p:nvSpPr>
+        <p:spPr/>
+        <p:txBody>
+          <a:bodyPr/>
+          <a:lstStyle/>
+          <a:p>
+            <a:fld id="{97F7B546-239D-40E3-8567-8C3A00115C9B}" type="slidenum">
+              <a:rPr lang="ru-RU" smtClean="0"/>
+              <a:pPr/>
+              <a:t>10</a:t>
+            </a:fld>
+            <a:endParaRPr lang="ru-RU" dirty="0"/>
+          </a:p>
+        </p:txBody>
+      </p:sp>
+      <p:sp>
+        <p:nvSpPr>
+          <p:cNvPr id="5" name="Заголовок 4"/>
+          <p:cNvSpPr>
+            <a:spLocks noGrp="1"/>
+          </p:cNvSpPr>
+          <p:nvPr>
+            <p:ph type="title"/>
+          </p:nvPr>
+        </p:nvSpPr>
+        <p:spPr/>
+        <p:txBody>
+          <a:bodyPr>
+            <a:normAutofit/>
+          </a:bodyPr>
+          <a:lstStyle/>
+          <a:p>
+            <a:r>
+              <a:rPr lang="ru-RU" dirty="0"/>
+              <a:t>Результаты</a:t>
+            </a:r>
+          </a:p>
+        </p:txBody>
+      </p:sp>
+      <p:pic>
+        <p:nvPicPr>
+          <p:cNvPr id="7" name="Picture 9" descr="D:\Ярлыки\3D\Done\УГАТУ\Новая папка\power point\1\arrow.png"/>
+          <p:cNvPicPr>
+            <a:picLocks noChangeAspect="1" noChangeArrowheads="1"/>
+          </p:cNvPicPr>
+          <p:nvPr/>
+        </p:nvPicPr>
+        <p:blipFill>
+          <a:blip r:embed="rId2" cstate="print"/>
+          <a:srcRect/>
+          <a:stretch>
+            <a:fillRect/>
+          </a:stretch>
+        </p:blipFill>
+        <p:spPr bwMode="auto">
+          <a:xfrm>
+            <a:off x="5725721" y="6096639"/>
+            <a:ext cx="225425" cy="195262"/>
+          </a:xfrm>
+          <a:prstGeom prst="rect">
+            <a:avLst/>
+          </a:prstGeom>
+          <a:noFill/>
+        </p:spPr>
+      </p:pic>
+      <p:pic>
+        <p:nvPicPr>
+          <p:cNvPr id="11" name="Picture 10">
+            <a:extLst>
+              <a:ext uri="{FF2B5EF4-FFF2-40B4-BE49-F238E27FC236}">
+                <a16:creationId xmlns:a16="http://schemas.microsoft.com/office/drawing/2014/main" id="{3E3296DC-107B-47E5-865A-688A6389C371}"/>
+              </a:ext>
+            </a:extLst>
+          </p:cNvPr>
+          <p:cNvPicPr>
+            <a:picLocks noChangeAspect="1"/>
+          </p:cNvPicPr>
+          <p:nvPr/>
+        </p:nvPicPr>
+        <p:blipFill>
+          <a:blip r:embed="rId3">
+            <a:extLst>
+              <a:ext uri="{28A0092B-C50C-407E-A947-70E740481C1C}">
+                <a14:useLocalDpi xmlns:a14="http://schemas.microsoft.com/office/drawing/2010/main" val="0"/>
+              </a:ext>
+            </a:extLst>
+          </a:blip>
+          <a:stretch>
+            <a:fillRect/>
+          </a:stretch>
+        </p:blipFill>
+        <p:spPr>
+          <a:xfrm>
+            <a:off x="4137176" y="1470176"/>
+            <a:ext cx="3917647" cy="3917647"/>
+          </a:xfrm>
+          <a:prstGeom prst="rect">
+            <a:avLst/>
+          </a:prstGeom>
+        </p:spPr>
+      </p:pic>
+      <mc:AlternateContent xmlns:mc="http://schemas.openxmlformats.org/markup-compatibility/2006" xmlns:a14="http://schemas.microsoft.com/office/drawing/2010/main">
+        <mc:Choice Requires="a14">
+          <p:sp>
+            <p:nvSpPr>
+              <p:cNvPr id="13" name="TextBox 12">
+                <a:extLst>
+                  <a:ext uri="{FF2B5EF4-FFF2-40B4-BE49-F238E27FC236}">
+                    <a16:creationId xmlns:a16="http://schemas.microsoft.com/office/drawing/2014/main" id="{208E56C8-9F4A-4CEC-BA91-DF7D9DAF272E}"/>
+                  </a:ext>
+                </a:extLst>
+              </p:cNvPr>
+              <p:cNvSpPr txBox="1"/>
+              <p:nvPr/>
+            </p:nvSpPr>
+            <p:spPr>
+              <a:xfrm>
+                <a:off x="5649402" y="5673871"/>
+                <a:ext cx="893193" cy="520399"/>
+              </a:xfrm>
+              <a:prstGeom prst="rect">
+                <a:avLst/>
+              </a:prstGeom>
+              <a:noFill/>
+            </p:spPr>
+            <p:txBody>
+              <a:bodyPr wrap="none" lIns="0" tIns="0" rIns="0" bIns="0" rtlCol="0">
+                <a:spAutoFit/>
+              </a:bodyPr>
+              <a:lstStyle/>
+              <a:p>
+                <a:pPr/>
+                <a14:m>
+                  <m:oMathPara xmlns:m="http://schemas.openxmlformats.org/officeDocument/2006/math">
+                    <m:oMathParaPr>
+                      <m:jc m:val="centerGroup"/>
+                    </m:oMathParaPr>
+                    <m:oMath xmlns:m="http://schemas.openxmlformats.org/officeDocument/2006/math">
+                      <m:r>
+                        <a:rPr lang="en-US" b="0" i="1" smtClean="0">
+                          <a:latin typeface="Cambria Math" panose="02040503050406030204" pitchFamily="18" charset="0"/>
+                        </a:rPr>
+                        <m:t>𝑅</m:t>
+                      </m:r>
+                      <m:r>
+                        <a:rPr lang="en-US" b="0" i="1" smtClean="0">
+                          <a:latin typeface="Cambria Math" panose="02040503050406030204" pitchFamily="18" charset="0"/>
+                        </a:rPr>
+                        <m:t>=</m:t>
+                      </m:r>
+                      <m:f>
+                        <m:fPr>
+                          <m:ctrlPr>
+                            <a:rPr lang="en-US" b="0" i="1" smtClean="0">
+                              <a:latin typeface="Cambria Math" panose="02040503050406030204" pitchFamily="18" charset="0"/>
+                            </a:rPr>
+                          </m:ctrlPr>
+                        </m:fPr>
+                        <m:num>
+                          <m:r>
+                            <a:rPr lang="en-US" b="0" i="1" smtClean="0">
+                              <a:latin typeface="Cambria Math" panose="02040503050406030204" pitchFamily="18" charset="0"/>
+                            </a:rPr>
+                            <m:t>1</m:t>
+                          </m:r>
+                        </m:num>
+                        <m:den>
+                          <m:r>
+                            <a:rPr lang="en-US" b="0" i="1" smtClean="0">
+                              <a:latin typeface="Cambria Math" panose="02040503050406030204" pitchFamily="18" charset="0"/>
+                            </a:rPr>
+                            <m:t>300</m:t>
+                          </m:r>
+                        </m:den>
+                      </m:f>
+                    </m:oMath>
+                  </m:oMathPara>
+                </a14:m>
+                <a:endParaRPr lang="en-GB" dirty="0"/>
+              </a:p>
+            </p:txBody>
+          </p:sp>
+        </mc:Choice>
+        <mc:Fallback xmlns="">
+          <p:sp>
+            <p:nvSpPr>
+              <p:cNvPr id="13" name="TextBox 12">
+                <a:extLst>
+                  <a:ext uri="{FF2B5EF4-FFF2-40B4-BE49-F238E27FC236}">
+                    <a16:creationId xmlns:a16="http://schemas.microsoft.com/office/drawing/2014/main" id="{208E56C8-9F4A-4CEC-BA91-DF7D9DAF272E}"/>
+                  </a:ext>
+                </a:extLst>
+              </p:cNvPr>
+              <p:cNvSpPr txBox="1">
+                <a:spLocks noRot="1" noChangeAspect="1" noMove="1" noResize="1" noEditPoints="1" noAdjustHandles="1" noChangeArrowheads="1" noChangeShapeType="1" noTextEdit="1"/>
+              </p:cNvSpPr>
+              <p:nvPr/>
+            </p:nvSpPr>
+            <p:spPr>
+              <a:xfrm>
+                <a:off x="5649402" y="5673871"/>
+                <a:ext cx="893193" cy="520399"/>
+              </a:xfrm>
+              <a:prstGeom prst="rect">
+                <a:avLst/>
+              </a:prstGeom>
+              <a:blipFill>
+                <a:blip r:embed="rId4"/>
+                <a:stretch>
+                  <a:fillRect/>
+                </a:stretch>
+              </a:blipFill>
+            </p:spPr>
+            <p:txBody>
+              <a:bodyPr/>
+              <a:lstStyle/>
+              <a:p>
+                <a:r>
+                  <a:rPr lang="en-GB">
+                    <a:noFill/>
+                  </a:rPr>
+                  <a:t> </a:t>
+                </a:r>
+              </a:p>
+            </p:txBody>
+          </p:sp>
+        </mc:Fallback>
+      </mc:AlternateContent>
+    </p:spTree>
+    <p:extLst>
+      <p:ext uri="{BB962C8B-B14F-4D97-AF65-F5344CB8AC3E}">
+        <p14:creationId xmlns:p14="http://schemas.microsoft.com/office/powerpoint/2010/main" val="2166961610"/>
+      </p:ext>
+    </p:extLst>
+  </p:cSld>
+  <p:clrMapOvr>
+    <a:masterClrMapping/>
+  </p:clrMapOvr>
+</p:sld>
+</file>
+
+<file path=ppt/slides/slide11.xml><?xml version="1.0" encoding="utf-8"?>
+<p:sld xmlns:a="http://schemas.openxmlformats.org/drawingml/2006/main" xmlns:r="http://schemas.openxmlformats.org/officeDocument/2006/relationships" xmlns:p="http://schemas.openxmlformats.org/presentationml/2006/main">
+  <p:cSld>
+    <p:spTree>
+      <p:nvGrpSpPr>
+        <p:cNvPr id="1" name=""/>
+        <p:cNvGrpSpPr/>
+        <p:nvPr/>
+      </p:nvGrpSpPr>
+      <p:grpSpPr>
+        <a:xfrm>
+          <a:off x="0" y="0"/>
+          <a:ext cx="0" cy="0"/>
+          <a:chOff x="0" y="0"/>
+          <a:chExt cx="0" cy="0"/>
+        </a:xfrm>
+      </p:grpSpPr>
+      <p:sp>
+        <p:nvSpPr>
+          <p:cNvPr id="3" name="Нижний колонтитул 2"/>
+          <p:cNvSpPr>
+            <a:spLocks noGrp="1"/>
+          </p:cNvSpPr>
+          <p:nvPr>
+            <p:ph type="ftr" sz="quarter" idx="11"/>
+          </p:nvPr>
+        </p:nvSpPr>
+        <p:spPr/>
+        <p:txBody>
+          <a:bodyPr/>
+          <a:lstStyle/>
+          <a:p>
+            <a:pPr algn="ctr"/>
+            <a:r>
+              <a:rPr lang="ru-RU" sz="1000" dirty="0">
+                <a:latin typeface="BwSurco-Bold" pitchFamily="50" charset="-52"/>
+              </a:rPr>
+              <a:t>Двухслойная акустическая схема для задачи распространения волн</a:t>
+            </a:r>
+          </a:p>
+        </p:txBody>
+      </p:sp>
+      <p:sp>
+        <p:nvSpPr>
+          <p:cNvPr id="10" name="Текст 9"/>
+          <p:cNvSpPr>
+            <a:spLocks noGrp="1"/>
+          </p:cNvSpPr>
+          <p:nvPr>
+            <p:ph type="body" sz="quarter" idx="12"/>
+          </p:nvPr>
+        </p:nvSpPr>
+        <p:spPr/>
+        <p:txBody>
+          <a:bodyPr/>
+          <a:lstStyle/>
+          <a:p>
+            <a:endParaRPr lang="ru-RU"/>
+          </a:p>
+        </p:txBody>
+      </p:sp>
+      <p:sp>
+        <p:nvSpPr>
+          <p:cNvPr id="6" name="Номер слайда 5"/>
+          <p:cNvSpPr>
+            <a:spLocks noGrp="1"/>
+          </p:cNvSpPr>
+          <p:nvPr>
+            <p:ph type="sldNum" sz="quarter" idx="13"/>
+          </p:nvPr>
+        </p:nvSpPr>
+        <p:spPr/>
+        <p:txBody>
+          <a:bodyPr/>
+          <a:lstStyle/>
+          <a:p>
+            <a:fld id="{97F7B546-239D-40E3-8567-8C3A00115C9B}" type="slidenum">
+              <a:rPr lang="ru-RU" smtClean="0"/>
+              <a:pPr/>
+              <a:t>11</a:t>
+            </a:fld>
+            <a:endParaRPr lang="ru-RU" dirty="0"/>
+          </a:p>
+        </p:txBody>
+      </p:sp>
+      <p:sp>
+        <p:nvSpPr>
+          <p:cNvPr id="5" name="Заголовок 4"/>
+          <p:cNvSpPr>
+            <a:spLocks noGrp="1"/>
+          </p:cNvSpPr>
+          <p:nvPr>
+            <p:ph type="title"/>
+          </p:nvPr>
+        </p:nvSpPr>
+        <p:spPr/>
+        <p:txBody>
+          <a:bodyPr>
+            <a:normAutofit/>
+          </a:bodyPr>
+          <a:lstStyle/>
+          <a:p>
+            <a:r>
+              <a:rPr lang="ru-RU" dirty="0"/>
+              <a:t>Результаты</a:t>
+            </a:r>
+          </a:p>
+        </p:txBody>
+      </p:sp>
+      <p:pic>
+        <p:nvPicPr>
+          <p:cNvPr id="7" name="Picture 9" descr="D:\Ярлыки\3D\Done\УГАТУ\Новая папка\power point\1\arrow.png"/>
+          <p:cNvPicPr>
+            <a:picLocks noChangeAspect="1" noChangeArrowheads="1"/>
+          </p:cNvPicPr>
+          <p:nvPr/>
+        </p:nvPicPr>
+        <p:blipFill>
+          <a:blip r:embed="rId2" cstate="print"/>
+          <a:srcRect/>
+          <a:stretch>
+            <a:fillRect/>
+          </a:stretch>
+        </p:blipFill>
+        <p:spPr bwMode="auto">
+          <a:xfrm>
+            <a:off x="5725721" y="6096639"/>
+            <a:ext cx="225425" cy="195262"/>
+          </a:xfrm>
+          <a:prstGeom prst="rect">
+            <a:avLst/>
+          </a:prstGeom>
+          <a:noFill/>
+        </p:spPr>
+      </p:pic>
+      <p:pic>
+        <p:nvPicPr>
+          <p:cNvPr id="4" name="Picture 3">
+            <a:extLst>
+              <a:ext uri="{FF2B5EF4-FFF2-40B4-BE49-F238E27FC236}">
+                <a16:creationId xmlns:a16="http://schemas.microsoft.com/office/drawing/2014/main" id="{2A84895E-908E-41AB-A7BB-E0ABB75CB2EC}"/>
+              </a:ext>
+            </a:extLst>
+          </p:cNvPr>
+          <p:cNvPicPr>
+            <a:picLocks noChangeAspect="1"/>
+          </p:cNvPicPr>
+          <p:nvPr/>
+        </p:nvPicPr>
+        <p:blipFill>
+          <a:blip r:embed="rId3"/>
+          <a:stretch>
+            <a:fillRect/>
+          </a:stretch>
+        </p:blipFill>
+        <p:spPr>
+          <a:xfrm>
+            <a:off x="908688" y="1499918"/>
+            <a:ext cx="5172797" cy="3858163"/>
+          </a:xfrm>
+          <a:prstGeom prst="rect">
+            <a:avLst/>
+          </a:prstGeom>
+        </p:spPr>
+      </p:pic>
+      <p:pic>
+        <p:nvPicPr>
+          <p:cNvPr id="9" name="Picture 8">
+            <a:extLst>
+              <a:ext uri="{FF2B5EF4-FFF2-40B4-BE49-F238E27FC236}">
+                <a16:creationId xmlns:a16="http://schemas.microsoft.com/office/drawing/2014/main" id="{F3933D33-6919-47F0-ABE2-08499710A55D}"/>
+              </a:ext>
+            </a:extLst>
+          </p:cNvPr>
+          <p:cNvPicPr>
+            <a:picLocks noChangeAspect="1"/>
+          </p:cNvPicPr>
+          <p:nvPr/>
+        </p:nvPicPr>
+        <p:blipFill>
+          <a:blip r:embed="rId4"/>
+          <a:stretch>
+            <a:fillRect/>
+          </a:stretch>
+        </p:blipFill>
+        <p:spPr>
+          <a:xfrm>
+            <a:off x="6110517" y="1605829"/>
+            <a:ext cx="5239481" cy="3820058"/>
+          </a:xfrm>
+          <a:prstGeom prst="rect">
+            <a:avLst/>
+          </a:prstGeom>
+        </p:spPr>
+      </p:pic>
+    </p:spTree>
+    <p:extLst>
+      <p:ext uri="{BB962C8B-B14F-4D97-AF65-F5344CB8AC3E}">
+        <p14:creationId xmlns:p14="http://schemas.microsoft.com/office/powerpoint/2010/main" val="513484094"/>
+      </p:ext>
+    </p:extLst>
+  </p:cSld>
+  <p:clrMapOvr>
+    <a:masterClrMapping/>
+  </p:clrMapOvr>
+</p:sld>
+</file>
+
+<file path=ppt/slides/slide12.xml><?xml version="1.0" encoding="utf-8"?>
+<p:sld xmlns:a="http://schemas.openxmlformats.org/drawingml/2006/main" xmlns:r="http://schemas.openxmlformats.org/officeDocument/2006/relationships" xmlns:p="http://schemas.openxmlformats.org/presentationml/2006/main">
+  <p:cSld>
+    <p:spTree>
+      <p:nvGrpSpPr>
+        <p:cNvPr id="1" name=""/>
+        <p:cNvGrpSpPr/>
+        <p:nvPr/>
+      </p:nvGrpSpPr>
+      <p:grpSpPr>
+        <a:xfrm>
+          <a:off x="0" y="0"/>
+          <a:ext cx="0" cy="0"/>
+          <a:chOff x="0" y="0"/>
+          <a:chExt cx="0" cy="0"/>
+        </a:xfrm>
+      </p:grpSpPr>
+      <p:sp>
+        <p:nvSpPr>
+          <p:cNvPr id="3" name="Нижний колонтитул 2"/>
+          <p:cNvSpPr>
+            <a:spLocks noGrp="1"/>
+          </p:cNvSpPr>
+          <p:nvPr>
+            <p:ph type="ftr" sz="quarter" idx="11"/>
+          </p:nvPr>
+        </p:nvSpPr>
+        <p:spPr/>
+        <p:txBody>
+          <a:bodyPr/>
+          <a:lstStyle/>
+          <a:p>
+            <a:pPr algn="ctr"/>
+            <a:r>
+              <a:rPr lang="ru-RU" sz="1000" dirty="0">
+                <a:latin typeface="BwSurco-Bold" pitchFamily="50" charset="-52"/>
+              </a:rPr>
+              <a:t>Двухслойная акустическая схема для задачи распространения волн</a:t>
+            </a:r>
+          </a:p>
+        </p:txBody>
+      </p:sp>
+      <p:sp>
+        <p:nvSpPr>
+          <p:cNvPr id="10" name="Текст 9"/>
+          <p:cNvSpPr>
+            <a:spLocks noGrp="1"/>
+          </p:cNvSpPr>
+          <p:nvPr>
+            <p:ph type="body" sz="quarter" idx="12"/>
+          </p:nvPr>
+        </p:nvSpPr>
+        <p:spPr/>
+        <p:txBody>
+          <a:bodyPr/>
+          <a:lstStyle/>
+          <a:p>
+            <a:endParaRPr lang="ru-RU"/>
+          </a:p>
+        </p:txBody>
+      </p:sp>
+      <p:sp>
+        <p:nvSpPr>
+          <p:cNvPr id="6" name="Номер слайда 5"/>
+          <p:cNvSpPr>
+            <a:spLocks noGrp="1"/>
+          </p:cNvSpPr>
+          <p:nvPr>
+            <p:ph type="sldNum" sz="quarter" idx="13"/>
+          </p:nvPr>
+        </p:nvSpPr>
+        <p:spPr/>
+        <p:txBody>
+          <a:bodyPr/>
+          <a:lstStyle/>
+          <a:p>
+            <a:fld id="{97F7B546-239D-40E3-8567-8C3A00115C9B}" type="slidenum">
+              <a:rPr lang="ru-RU" smtClean="0"/>
+              <a:pPr/>
+              <a:t>12</a:t>
+            </a:fld>
+            <a:endParaRPr lang="ru-RU" dirty="0"/>
+          </a:p>
+        </p:txBody>
+      </p:sp>
+      <p:sp>
+        <p:nvSpPr>
+          <p:cNvPr id="5" name="Заголовок 4"/>
+          <p:cNvSpPr>
+            <a:spLocks noGrp="1"/>
+          </p:cNvSpPr>
+          <p:nvPr>
+            <p:ph type="title"/>
+          </p:nvPr>
+        </p:nvSpPr>
+        <p:spPr/>
+        <p:txBody>
+          <a:bodyPr>
+            <a:normAutofit/>
+          </a:bodyPr>
+          <a:lstStyle/>
+          <a:p>
+            <a:r>
+              <a:rPr lang="ru-RU" dirty="0"/>
+              <a:t>Результаты</a:t>
+            </a:r>
+          </a:p>
+        </p:txBody>
+      </p:sp>
+      <p:pic>
+        <p:nvPicPr>
+          <p:cNvPr id="7" name="Picture 9" descr="D:\Ярлыки\3D\Done\УГАТУ\Новая папка\power point\1\arrow.png"/>
+          <p:cNvPicPr>
+            <a:picLocks noChangeAspect="1" noChangeArrowheads="1"/>
+          </p:cNvPicPr>
+          <p:nvPr/>
+        </p:nvPicPr>
+        <p:blipFill>
+          <a:blip r:embed="rId2" cstate="print"/>
+          <a:srcRect/>
+          <a:stretch>
+            <a:fillRect/>
+          </a:stretch>
+        </p:blipFill>
+        <p:spPr bwMode="auto">
+          <a:xfrm>
+            <a:off x="5725721" y="6096639"/>
+            <a:ext cx="225425" cy="195262"/>
+          </a:xfrm>
+          <a:prstGeom prst="rect">
+            <a:avLst/>
+          </a:prstGeom>
+          <a:noFill/>
+        </p:spPr>
+      </p:pic>
+      <p:pic>
+        <p:nvPicPr>
+          <p:cNvPr id="4" name="Picture 3">
+            <a:extLst>
+              <a:ext uri="{FF2B5EF4-FFF2-40B4-BE49-F238E27FC236}">
+                <a16:creationId xmlns:a16="http://schemas.microsoft.com/office/drawing/2014/main" id="{2A84895E-908E-41AB-A7BB-E0ABB75CB2EC}"/>
+              </a:ext>
+            </a:extLst>
+          </p:cNvPr>
+          <p:cNvPicPr>
+            <a:picLocks noChangeAspect="1"/>
+          </p:cNvPicPr>
+          <p:nvPr/>
+        </p:nvPicPr>
+        <p:blipFill>
+          <a:blip r:embed="rId3"/>
+          <a:stretch>
+            <a:fillRect/>
+          </a:stretch>
+        </p:blipFill>
+        <p:spPr>
+          <a:xfrm>
+            <a:off x="908688" y="1499918"/>
+            <a:ext cx="5172797" cy="3858163"/>
+          </a:xfrm>
+          <a:prstGeom prst="rect">
+            <a:avLst/>
+          </a:prstGeom>
+        </p:spPr>
+      </p:pic>
+      <p:pic>
+        <p:nvPicPr>
+          <p:cNvPr id="9" name="Picture 8">
+            <a:extLst>
+              <a:ext uri="{FF2B5EF4-FFF2-40B4-BE49-F238E27FC236}">
+                <a16:creationId xmlns:a16="http://schemas.microsoft.com/office/drawing/2014/main" id="{F3933D33-6919-47F0-ABE2-08499710A55D}"/>
+              </a:ext>
+            </a:extLst>
+          </p:cNvPr>
+          <p:cNvPicPr>
+            <a:picLocks noChangeAspect="1"/>
+          </p:cNvPicPr>
+          <p:nvPr/>
+        </p:nvPicPr>
+        <p:blipFill>
+          <a:blip r:embed="rId4"/>
+          <a:stretch>
+            <a:fillRect/>
+          </a:stretch>
+        </p:blipFill>
+        <p:spPr>
+          <a:xfrm>
+            <a:off x="6110517" y="1605829"/>
+            <a:ext cx="5239481" cy="3820058"/>
+          </a:xfrm>
+          <a:prstGeom prst="rect">
+            <a:avLst/>
+          </a:prstGeom>
+        </p:spPr>
+      </p:pic>
+    </p:spTree>
+    <p:extLst>
+      <p:ext uri="{BB962C8B-B14F-4D97-AF65-F5344CB8AC3E}">
+        <p14:creationId xmlns:p14="http://schemas.microsoft.com/office/powerpoint/2010/main" val="3097714509"/>
+      </p:ext>
+    </p:extLst>
+  </p:cSld>
+  <p:clrMapOvr>
+    <a:masterClrMapping/>
+  </p:clrMapOvr>
+</p:sld>
+</file>
+
+<file path=ppt/slides/slide13.xml><?xml version="1.0" encoding="utf-8"?>
+<p:sld xmlns:a="http://schemas.openxmlformats.org/drawingml/2006/main" xmlns:r="http://schemas.openxmlformats.org/officeDocument/2006/relationships" xmlns:p="http://schemas.openxmlformats.org/presentationml/2006/main">
+  <p:cSld>
+    <p:spTree>
+      <p:nvGrpSpPr>
+        <p:cNvPr id="1" name=""/>
+        <p:cNvGrpSpPr/>
+        <p:nvPr/>
+      </p:nvGrpSpPr>
+      <p:grpSpPr>
+        <a:xfrm>
+          <a:off x="0" y="0"/>
+          <a:ext cx="0" cy="0"/>
+          <a:chOff x="0" y="0"/>
+          <a:chExt cx="0" cy="0"/>
+        </a:xfrm>
+      </p:grpSpPr>
+      <p:sp>
+        <p:nvSpPr>
+          <p:cNvPr id="3" name="Нижний колонтитул 2"/>
+          <p:cNvSpPr>
+            <a:spLocks noGrp="1"/>
+          </p:cNvSpPr>
+          <p:nvPr>
+            <p:ph type="ftr" sz="quarter" idx="11"/>
+          </p:nvPr>
+        </p:nvSpPr>
+        <p:spPr/>
+        <p:txBody>
+          <a:bodyPr/>
+          <a:lstStyle/>
+          <a:p>
+            <a:pPr algn="ctr"/>
+            <a:r>
+              <a:rPr lang="ru-RU" sz="1000" dirty="0">
+                <a:latin typeface="BwSurco-Bold" pitchFamily="50" charset="-52"/>
+              </a:rPr>
+              <a:t>Двухслойная акустическая схема для задачи распространения волн</a:t>
+            </a:r>
+          </a:p>
+        </p:txBody>
+      </p:sp>
+      <p:sp>
+        <p:nvSpPr>
+          <p:cNvPr id="10" name="Текст 9"/>
+          <p:cNvSpPr>
+            <a:spLocks noGrp="1"/>
+          </p:cNvSpPr>
+          <p:nvPr>
+            <p:ph type="body" sz="quarter" idx="12"/>
+          </p:nvPr>
+        </p:nvSpPr>
+        <p:spPr/>
+        <p:txBody>
+          <a:bodyPr/>
+          <a:lstStyle/>
+          <a:p>
+            <a:endParaRPr lang="ru-RU"/>
+          </a:p>
+        </p:txBody>
+      </p:sp>
+      <p:sp>
+        <p:nvSpPr>
+          <p:cNvPr id="6" name="Номер слайда 5"/>
+          <p:cNvSpPr>
+            <a:spLocks noGrp="1"/>
+          </p:cNvSpPr>
+          <p:nvPr>
+            <p:ph type="sldNum" sz="quarter" idx="13"/>
+          </p:nvPr>
+        </p:nvSpPr>
+        <p:spPr/>
+        <p:txBody>
+          <a:bodyPr/>
+          <a:lstStyle/>
+          <a:p>
+            <a:fld id="{97F7B546-239D-40E3-8567-8C3A00115C9B}" type="slidenum">
+              <a:rPr lang="ru-RU" smtClean="0"/>
+              <a:pPr/>
+              <a:t>13</a:t>
+            </a:fld>
+            <a:endParaRPr lang="ru-RU" dirty="0"/>
+          </a:p>
+        </p:txBody>
+      </p:sp>
+      <p:sp>
+        <p:nvSpPr>
+          <p:cNvPr id="5" name="Заголовок 4"/>
+          <p:cNvSpPr>
+            <a:spLocks noGrp="1"/>
+          </p:cNvSpPr>
+          <p:nvPr>
+            <p:ph type="title"/>
+          </p:nvPr>
+        </p:nvSpPr>
+        <p:spPr/>
+        <p:txBody>
+          <a:bodyPr>
+            <a:normAutofit/>
+          </a:bodyPr>
+          <a:lstStyle/>
+          <a:p>
+            <a:r>
+              <a:rPr lang="ru-RU" dirty="0"/>
+              <a:t>Результаты</a:t>
+            </a:r>
+          </a:p>
+        </p:txBody>
+      </p:sp>
+      <p:pic>
+        <p:nvPicPr>
+          <p:cNvPr id="7" name="Picture 9" descr="D:\Ярлыки\3D\Done\УГАТУ\Новая папка\power point\1\arrow.png"/>
+          <p:cNvPicPr>
+            <a:picLocks noChangeAspect="1" noChangeArrowheads="1"/>
+          </p:cNvPicPr>
+          <p:nvPr/>
+        </p:nvPicPr>
+        <p:blipFill>
+          <a:blip r:embed="rId2" cstate="print"/>
+          <a:srcRect/>
+          <a:stretch>
+            <a:fillRect/>
+          </a:stretch>
+        </p:blipFill>
+        <p:spPr bwMode="auto">
+          <a:xfrm>
+            <a:off x="5725721" y="6096639"/>
+            <a:ext cx="225425" cy="195262"/>
+          </a:xfrm>
+          <a:prstGeom prst="rect">
+            <a:avLst/>
+          </a:prstGeom>
+          <a:noFill/>
+        </p:spPr>
+      </p:pic>
+      <p:pic>
+        <p:nvPicPr>
+          <p:cNvPr id="8" name="Picture 7">
+            <a:extLst>
+              <a:ext uri="{FF2B5EF4-FFF2-40B4-BE49-F238E27FC236}">
+                <a16:creationId xmlns:a16="http://schemas.microsoft.com/office/drawing/2014/main" id="{7996A620-FA41-427E-8A79-0FBDA493CC38}"/>
+              </a:ext>
+            </a:extLst>
+          </p:cNvPr>
+          <p:cNvPicPr>
+            <a:picLocks noChangeAspect="1"/>
+          </p:cNvPicPr>
+          <p:nvPr/>
+        </p:nvPicPr>
+        <p:blipFill>
+          <a:blip r:embed="rId3"/>
+          <a:stretch>
+            <a:fillRect/>
+          </a:stretch>
+        </p:blipFill>
+        <p:spPr>
+          <a:xfrm>
+            <a:off x="635454" y="1776182"/>
+            <a:ext cx="5315692" cy="3305636"/>
+          </a:xfrm>
+          <a:prstGeom prst="rect">
+            <a:avLst/>
+          </a:prstGeom>
+        </p:spPr>
+      </p:pic>
+      <p:pic>
+        <p:nvPicPr>
+          <p:cNvPr id="12" name="Picture 11">
+            <a:extLst>
+              <a:ext uri="{FF2B5EF4-FFF2-40B4-BE49-F238E27FC236}">
+                <a16:creationId xmlns:a16="http://schemas.microsoft.com/office/drawing/2014/main" id="{F81CB4F9-9960-4DE6-A215-89881F03DFD1}"/>
+              </a:ext>
+            </a:extLst>
+          </p:cNvPr>
+          <p:cNvPicPr>
+            <a:picLocks noChangeAspect="1"/>
+          </p:cNvPicPr>
+          <p:nvPr/>
+        </p:nvPicPr>
+        <p:blipFill>
+          <a:blip r:embed="rId4"/>
+          <a:stretch>
+            <a:fillRect/>
+          </a:stretch>
+        </p:blipFill>
+        <p:spPr>
+          <a:xfrm>
+            <a:off x="5936012" y="1752366"/>
+            <a:ext cx="5620534" cy="3353268"/>
+          </a:xfrm>
+          <a:prstGeom prst="rect">
+            <a:avLst/>
+          </a:prstGeom>
+        </p:spPr>
+      </p:pic>
+    </p:spTree>
+    <p:extLst>
+      <p:ext uri="{BB962C8B-B14F-4D97-AF65-F5344CB8AC3E}">
+        <p14:creationId xmlns:p14="http://schemas.microsoft.com/office/powerpoint/2010/main" val="3336609289"/>
+      </p:ext>
+    </p:extLst>
+  </p:cSld>
+  <p:clrMapOvr>
+    <a:masterClrMapping/>
+  </p:clrMapOvr>
+</p:sld>
+</file>
+
+<file path=ppt/slides/slide14.xml><?xml version="1.0" encoding="utf-8"?>
+<p:sld xmlns:a="http://schemas.openxmlformats.org/drawingml/2006/main" xmlns:r="http://schemas.openxmlformats.org/officeDocument/2006/relationships" xmlns:p="http://schemas.openxmlformats.org/presentationml/2006/main">
+  <p:cSld>
+    <p:spTree>
+      <p:nvGrpSpPr>
+        <p:cNvPr id="1" name=""/>
+        <p:cNvGrpSpPr/>
+        <p:nvPr/>
+      </p:nvGrpSpPr>
+      <p:grpSpPr>
+        <a:xfrm>
+          <a:off x="0" y="0"/>
+          <a:ext cx="0" cy="0"/>
+          <a:chOff x="0" y="0"/>
+          <a:chExt cx="0" cy="0"/>
+        </a:xfrm>
+      </p:grpSpPr>
+      <p:sp>
+        <p:nvSpPr>
           <p:cNvPr id="2" name="Содержимое 1"/>
           <p:cNvSpPr>
             <a:spLocks noGrp="1"/>
@@ -7967,7 +8903,7 @@
             <a:fld id="{97F7B546-239D-40E3-8567-8C3A00115C9B}" type="slidenum">
               <a:rPr lang="ru-RU" smtClean="0"/>
               <a:pPr/>
-              <a:t>10</a:t>
+              <a:t>14</a:t>
             </a:fld>
             <a:endParaRPr lang="ru-RU" dirty="0"/>
           </a:p>
